--- a/assets/predstavitev-SPARQL.pptx
+++ b/assets/predstavitev-SPARQL.pptx
@@ -5,7 +5,7 @@
     <p:sldMasterId id="2147483648" r:id="rId1"/>
   </p:sldMasterIdLst>
   <p:notesMasterIdLst>
-    <p:notesMasterId r:id="rId37"/>
+    <p:notesMasterId r:id="rId38"/>
   </p:notesMasterIdLst>
   <p:sldIdLst>
     <p:sldId id="663" r:id="rId2"/>
@@ -43,6 +43,7 @@
     <p:sldId id="717" r:id="rId34"/>
     <p:sldId id="718" r:id="rId35"/>
     <p:sldId id="719" r:id="rId36"/>
+    <p:sldId id="720" r:id="rId37"/>
   </p:sldIdLst>
   <p:sldSz cx="12192000" cy="6858000"/>
   <p:notesSz cx="6858000" cy="9144000"/>
@@ -181,6 +182,7 @@
             <p14:sldId id="717"/>
             <p14:sldId id="718"/>
             <p14:sldId id="719"/>
+            <p14:sldId id="720"/>
           </p14:sldIdLst>
         </p14:section>
       </p14:sectionLst>
@@ -369,7 +371,7 @@
           <a:p>
             <a:fld id="{C2B26B60-5BB0-4DD7-8319-3C0CF3F89852}" type="datetimeFigureOut">
               <a:rPr lang="sl-SI" smtClean="0"/>
-              <a:t>11. 2. 26</a:t>
+              <a:t>12. 2. 26</a:t>
             </a:fld>
             <a:endParaRPr lang="sl-SI"/>
           </a:p>
@@ -3618,6 +3620,129 @@
     <p:extLst>
       <p:ext uri="{BB962C8B-B14F-4D97-AF65-F5344CB8AC3E}">
         <p14:creationId xmlns:p14="http://schemas.microsoft.com/office/powerpoint/2010/main" val="1175973532"/>
+      </p:ext>
+    </p:extLst>
+  </p:cSld>
+  <p:clrMapOvr>
+    <a:masterClrMapping/>
+  </p:clrMapOvr>
+</p:notes>
+</file>
+
+<file path=ppt/notesSlides/notesSlide36.xml><?xml version="1.0" encoding="utf-8"?>
+<p:notes xmlns:a="http://schemas.openxmlformats.org/drawingml/2006/main" xmlns:r="http://schemas.openxmlformats.org/officeDocument/2006/relationships" xmlns:p="http://schemas.openxmlformats.org/presentationml/2006/main">
+  <p:cSld>
+    <p:spTree>
+      <p:nvGrpSpPr>
+        <p:cNvPr id="1" name="">
+          <a:extLst>
+            <a:ext uri="{FF2B5EF4-FFF2-40B4-BE49-F238E27FC236}">
+              <a16:creationId xmlns:a16="http://schemas.microsoft.com/office/drawing/2014/main" id="{52B4B6F3-0691-6DA7-DF11-74DF5A859C40}"/>
+            </a:ext>
+          </a:extLst>
+        </p:cNvPr>
+        <p:cNvGrpSpPr/>
+        <p:nvPr/>
+      </p:nvGrpSpPr>
+      <p:grpSpPr>
+        <a:xfrm>
+          <a:off x="0" y="0"/>
+          <a:ext cx="0" cy="0"/>
+          <a:chOff x="0" y="0"/>
+          <a:chExt cx="0" cy="0"/>
+        </a:xfrm>
+      </p:grpSpPr>
+      <p:sp>
+        <p:nvSpPr>
+          <p:cNvPr id="2" name="Označba mesta stranske slike 1">
+            <a:extLst>
+              <a:ext uri="{FF2B5EF4-FFF2-40B4-BE49-F238E27FC236}">
+                <a16:creationId xmlns:a16="http://schemas.microsoft.com/office/drawing/2014/main" id="{4487236A-3C87-6FBB-43C5-6CAD43CE4C0F}"/>
+              </a:ext>
+            </a:extLst>
+          </p:cNvPr>
+          <p:cNvSpPr>
+            <a:spLocks noGrp="1" noRot="1" noChangeAspect="1"/>
+          </p:cNvSpPr>
+          <p:nvPr>
+            <p:ph type="sldImg"/>
+          </p:nvPr>
+        </p:nvSpPr>
+        <p:spPr/>
+      </p:sp>
+      <p:sp>
+        <p:nvSpPr>
+          <p:cNvPr id="3" name="Označba mesta opomb 2">
+            <a:extLst>
+              <a:ext uri="{FF2B5EF4-FFF2-40B4-BE49-F238E27FC236}">
+                <a16:creationId xmlns:a16="http://schemas.microsoft.com/office/drawing/2014/main" id="{7A15EB2C-BD9C-1CC1-7988-4D8AF02CA69D}"/>
+              </a:ext>
+            </a:extLst>
+          </p:cNvPr>
+          <p:cNvSpPr>
+            <a:spLocks noGrp="1"/>
+          </p:cNvSpPr>
+          <p:nvPr>
+            <p:ph type="body" idx="1"/>
+          </p:nvPr>
+        </p:nvSpPr>
+        <p:spPr/>
+        <p:txBody>
+          <a:bodyPr/>
+          <a:lstStyle/>
+          <a:p>
+            <a:r>
+              <a:rPr lang="sl-SI" dirty="0" err="1"/>
+              <a:t>Slide</a:t>
+            </a:r>
+            <a:r>
+              <a:rPr lang="sl-SI" dirty="0"/>
+              <a:t> za vsebino (</a:t>
+            </a:r>
+            <a:r>
+              <a:rPr lang="sl-SI" dirty="0" err="1"/>
+              <a:t>optional</a:t>
+            </a:r>
+            <a:r>
+              <a:rPr lang="sl-SI" dirty="0"/>
+              <a:t>)</a:t>
+            </a:r>
+          </a:p>
+        </p:txBody>
+      </p:sp>
+      <p:sp>
+        <p:nvSpPr>
+          <p:cNvPr id="4" name="Označba mesta številke diapozitiva 3">
+            <a:extLst>
+              <a:ext uri="{FF2B5EF4-FFF2-40B4-BE49-F238E27FC236}">
+                <a16:creationId xmlns:a16="http://schemas.microsoft.com/office/drawing/2014/main" id="{DEBAA247-1AE7-92EA-2A58-C555D3F7B01E}"/>
+              </a:ext>
+            </a:extLst>
+          </p:cNvPr>
+          <p:cNvSpPr>
+            <a:spLocks noGrp="1"/>
+          </p:cNvSpPr>
+          <p:nvPr>
+            <p:ph type="sldNum" sz="quarter" idx="10"/>
+          </p:nvPr>
+        </p:nvSpPr>
+        <p:spPr/>
+        <p:txBody>
+          <a:bodyPr/>
+          <a:lstStyle/>
+          <a:p>
+            <a:fld id="{2970C311-8BB9-4E5A-8B7F-47C53035E144}" type="slidenum">
+              <a:rPr lang="sl-SI" smtClean="0"/>
+              <a:t>36</a:t>
+            </a:fld>
+            <a:endParaRPr lang="sl-SI"/>
+          </a:p>
+        </p:txBody>
+      </p:sp>
+    </p:spTree>
+    <p:extLst>
+      <p:ext uri="{BB962C8B-B14F-4D97-AF65-F5344CB8AC3E}">
+        <p14:creationId xmlns:p14="http://schemas.microsoft.com/office/powerpoint/2010/main" val="1251673599"/>
       </p:ext>
     </p:extLst>
   </p:cSld>
@@ -23132,6 +23257,80 @@
     <p:extLst>
       <p:ext uri="{BB962C8B-B14F-4D97-AF65-F5344CB8AC3E}">
         <p14:creationId xmlns:p14="http://schemas.microsoft.com/office/powerpoint/2010/main" val="3622963552"/>
+      </p:ext>
+    </p:extLst>
+  </p:cSld>
+  <p:clrMapOvr>
+    <a:masterClrMapping/>
+  </p:clrMapOvr>
+</p:sld>
+</file>
+
+<file path=ppt/slides/slide36.xml><?xml version="1.0" encoding="utf-8"?>
+<p:sld xmlns:a="http://schemas.openxmlformats.org/drawingml/2006/main" xmlns:r="http://schemas.openxmlformats.org/officeDocument/2006/relationships" xmlns:p="http://schemas.openxmlformats.org/presentationml/2006/main">
+  <p:cSld>
+    <p:bg>
+      <p:bgPr>
+        <a:solidFill>
+          <a:schemeClr val="bg1"/>
+        </a:solidFill>
+        <a:effectLst/>
+      </p:bgPr>
+    </p:bg>
+    <p:spTree>
+      <p:nvGrpSpPr>
+        <p:cNvPr id="1" name="">
+          <a:extLst>
+            <a:ext uri="{FF2B5EF4-FFF2-40B4-BE49-F238E27FC236}">
+              <a16:creationId xmlns:a16="http://schemas.microsoft.com/office/drawing/2014/main" id="{D3D61C61-A0E3-57D5-406B-272C48B2FC0C}"/>
+            </a:ext>
+          </a:extLst>
+        </p:cNvPr>
+        <p:cNvGrpSpPr/>
+        <p:nvPr/>
+      </p:nvGrpSpPr>
+      <p:grpSpPr>
+        <a:xfrm>
+          <a:off x="0" y="0"/>
+          <a:ext cx="0" cy="0"/>
+          <a:chOff x="0" y="0"/>
+          <a:chExt cx="0" cy="0"/>
+        </a:xfrm>
+      </p:grpSpPr>
+      <p:pic>
+        <p:nvPicPr>
+          <p:cNvPr id="5" name="Picture 4">
+            <a:extLst>
+              <a:ext uri="{FF2B5EF4-FFF2-40B4-BE49-F238E27FC236}">
+                <a16:creationId xmlns:a16="http://schemas.microsoft.com/office/drawing/2014/main" id="{946FB2DB-0F9A-7703-A1FC-D57F5E9770C2}"/>
+              </a:ext>
+            </a:extLst>
+          </p:cNvPr>
+          <p:cNvPicPr>
+            <a:picLocks noChangeAspect="1"/>
+          </p:cNvPicPr>
+          <p:nvPr/>
+        </p:nvPicPr>
+        <p:blipFill>
+          <a:blip r:embed="rId3"/>
+          <a:stretch>
+            <a:fillRect/>
+          </a:stretch>
+        </p:blipFill>
+        <p:spPr>
+          <a:xfrm>
+            <a:off x="0" y="97366"/>
+            <a:ext cx="12042999" cy="6532034"/>
+          </a:xfrm>
+          <a:prstGeom prst="rect">
+            <a:avLst/>
+          </a:prstGeom>
+        </p:spPr>
+      </p:pic>
+    </p:spTree>
+    <p:extLst>
+      <p:ext uri="{BB962C8B-B14F-4D97-AF65-F5344CB8AC3E}">
+        <p14:creationId xmlns:p14="http://schemas.microsoft.com/office/powerpoint/2010/main" val="2592912170"/>
       </p:ext>
     </p:extLst>
   </p:cSld>
